--- a/ppt 16-9/1380.你们先求祂的.pptx
+++ b/ppt 16-9/1380.你们先求祂的.pptx
@@ -129,7 +129,7 @@
           <p:cNvPr id="2" name="标题 1">
             <a:extLst>
               <a:ext uri="{FF2B5EF4-FFF2-40B4-BE49-F238E27FC236}">
-                <a16:creationId xmlns:a16="http://schemas.microsoft.com/office/drawing/2014/main" id="{67749E4E-0806-7D56-4336-31B78CA3307C}"/>
+                <a16:creationId xmlns:a16="http://schemas.microsoft.com/office/drawing/2014/main" id="{AAEE52A7-6C09-91A8-5E7E-234DC773DAE6}"/>
               </a:ext>
             </a:extLst>
           </p:cNvPr>
@@ -166,7 +166,7 @@
           <p:cNvPr id="3" name="副标题 2">
             <a:extLst>
               <a:ext uri="{FF2B5EF4-FFF2-40B4-BE49-F238E27FC236}">
-                <a16:creationId xmlns:a16="http://schemas.microsoft.com/office/drawing/2014/main" id="{C7CCDE85-2A32-9434-A5A7-FD0C77978664}"/>
+                <a16:creationId xmlns:a16="http://schemas.microsoft.com/office/drawing/2014/main" id="{42764EF6-332D-1DCF-36B0-D054A37DAB8E}"/>
               </a:ext>
             </a:extLst>
           </p:cNvPr>
@@ -236,7 +236,7 @@
           <p:cNvPr id="4" name="日期占位符 3">
             <a:extLst>
               <a:ext uri="{FF2B5EF4-FFF2-40B4-BE49-F238E27FC236}">
-                <a16:creationId xmlns:a16="http://schemas.microsoft.com/office/drawing/2014/main" id="{FFFA299C-7020-800D-5BB2-00B3FD2BD7EE}"/>
+                <a16:creationId xmlns:a16="http://schemas.microsoft.com/office/drawing/2014/main" id="{14E859CC-0FE6-5CE5-448E-CB9677ED4FC3}"/>
               </a:ext>
             </a:extLst>
           </p:cNvPr>
@@ -252,7 +252,7 @@
           <a:bodyPr/>
           <a:lstStyle/>
           <a:p>
-            <a:fld id="{90F9F4AD-3540-4EA8-9703-99AD02361B5B}" type="datetimeFigureOut">
+            <a:fld id="{BDE83590-66B0-40F8-BB89-FE17958D805C}" type="datetimeFigureOut">
               <a:rPr lang="zh-CN" altLang="en-US" smtClean="0"/>
               <a:t>2024/3/10</a:t>
             </a:fld>
@@ -265,7 +265,7 @@
           <p:cNvPr id="5" name="页脚占位符 4">
             <a:extLst>
               <a:ext uri="{FF2B5EF4-FFF2-40B4-BE49-F238E27FC236}">
-                <a16:creationId xmlns:a16="http://schemas.microsoft.com/office/drawing/2014/main" id="{0B67797B-9849-D9F6-8CF6-FF9881F02A46}"/>
+                <a16:creationId xmlns:a16="http://schemas.microsoft.com/office/drawing/2014/main" id="{3AE211A2-4CE7-89AA-2F8E-6FF79A02261C}"/>
               </a:ext>
             </a:extLst>
           </p:cNvPr>
@@ -290,7 +290,7 @@
           <p:cNvPr id="6" name="灯片编号占位符 5">
             <a:extLst>
               <a:ext uri="{FF2B5EF4-FFF2-40B4-BE49-F238E27FC236}">
-                <a16:creationId xmlns:a16="http://schemas.microsoft.com/office/drawing/2014/main" id="{F80B1738-EA38-D46B-51A0-FF5428BA3814}"/>
+                <a16:creationId xmlns:a16="http://schemas.microsoft.com/office/drawing/2014/main" id="{E7F00CDA-2D3B-4B59-0C48-EEED67B3152B}"/>
               </a:ext>
             </a:extLst>
           </p:cNvPr>
@@ -306,7 +306,7 @@
           <a:bodyPr/>
           <a:lstStyle/>
           <a:p>
-            <a:fld id="{E8A0CCDF-E624-4E77-9847-17D60642B6AD}" type="slidenum">
+            <a:fld id="{EDD18019-65B8-4F71-AB11-3099854BD4BB}" type="slidenum">
               <a:rPr lang="zh-CN" altLang="en-US" smtClean="0"/>
               <a:t>‹#›</a:t>
             </a:fld>
@@ -317,7 +317,7 @@
     </p:spTree>
     <p:extLst>
       <p:ext uri="{BB962C8B-B14F-4D97-AF65-F5344CB8AC3E}">
-        <p14:creationId xmlns:p14="http://schemas.microsoft.com/office/powerpoint/2010/main" val="3777094714"/>
+        <p14:creationId xmlns:p14="http://schemas.microsoft.com/office/powerpoint/2010/main" val="3170805338"/>
       </p:ext>
     </p:extLst>
   </p:cSld>
@@ -349,7 +349,7 @@
           <p:cNvPr id="2" name="标题 1">
             <a:extLst>
               <a:ext uri="{FF2B5EF4-FFF2-40B4-BE49-F238E27FC236}">
-                <a16:creationId xmlns:a16="http://schemas.microsoft.com/office/drawing/2014/main" id="{E21AE3A8-DB6A-6EBC-2BE0-62204643680B}"/>
+                <a16:creationId xmlns:a16="http://schemas.microsoft.com/office/drawing/2014/main" id="{D091DB7C-4064-D91A-93ED-9F093A05186A}"/>
               </a:ext>
             </a:extLst>
           </p:cNvPr>
@@ -377,7 +377,7 @@
           <p:cNvPr id="3" name="竖排文字占位符 2">
             <a:extLst>
               <a:ext uri="{FF2B5EF4-FFF2-40B4-BE49-F238E27FC236}">
-                <a16:creationId xmlns:a16="http://schemas.microsoft.com/office/drawing/2014/main" id="{31D97F7F-15C6-83E9-473D-61251AC72F4B}"/>
+                <a16:creationId xmlns:a16="http://schemas.microsoft.com/office/drawing/2014/main" id="{436B4294-0801-8C03-FDA6-672414D87B9C}"/>
               </a:ext>
             </a:extLst>
           </p:cNvPr>
@@ -434,7 +434,7 @@
           <p:cNvPr id="4" name="日期占位符 3">
             <a:extLst>
               <a:ext uri="{FF2B5EF4-FFF2-40B4-BE49-F238E27FC236}">
-                <a16:creationId xmlns:a16="http://schemas.microsoft.com/office/drawing/2014/main" id="{3325D0E5-54F9-71AD-4AF5-26E30AC0E7DA}"/>
+                <a16:creationId xmlns:a16="http://schemas.microsoft.com/office/drawing/2014/main" id="{7AD73926-430A-26E8-005F-0C4D2BDE916F}"/>
               </a:ext>
             </a:extLst>
           </p:cNvPr>
@@ -450,7 +450,7 @@
           <a:bodyPr/>
           <a:lstStyle/>
           <a:p>
-            <a:fld id="{90F9F4AD-3540-4EA8-9703-99AD02361B5B}" type="datetimeFigureOut">
+            <a:fld id="{BDE83590-66B0-40F8-BB89-FE17958D805C}" type="datetimeFigureOut">
               <a:rPr lang="zh-CN" altLang="en-US" smtClean="0"/>
               <a:t>2024/3/10</a:t>
             </a:fld>
@@ -463,7 +463,7 @@
           <p:cNvPr id="5" name="页脚占位符 4">
             <a:extLst>
               <a:ext uri="{FF2B5EF4-FFF2-40B4-BE49-F238E27FC236}">
-                <a16:creationId xmlns:a16="http://schemas.microsoft.com/office/drawing/2014/main" id="{353F9DC5-5308-D368-4540-705A00B81D28}"/>
+                <a16:creationId xmlns:a16="http://schemas.microsoft.com/office/drawing/2014/main" id="{6145F2E1-3E67-2A17-2769-0160A4E51016}"/>
               </a:ext>
             </a:extLst>
           </p:cNvPr>
@@ -488,7 +488,7 @@
           <p:cNvPr id="6" name="灯片编号占位符 5">
             <a:extLst>
               <a:ext uri="{FF2B5EF4-FFF2-40B4-BE49-F238E27FC236}">
-                <a16:creationId xmlns:a16="http://schemas.microsoft.com/office/drawing/2014/main" id="{1B57AF6B-06CC-701B-C080-EED10EBCBB5C}"/>
+                <a16:creationId xmlns:a16="http://schemas.microsoft.com/office/drawing/2014/main" id="{C56A8674-1247-2EB4-FB75-DF742BFD3EB5}"/>
               </a:ext>
             </a:extLst>
           </p:cNvPr>
@@ -504,7 +504,7 @@
           <a:bodyPr/>
           <a:lstStyle/>
           <a:p>
-            <a:fld id="{E8A0CCDF-E624-4E77-9847-17D60642B6AD}" type="slidenum">
+            <a:fld id="{EDD18019-65B8-4F71-AB11-3099854BD4BB}" type="slidenum">
               <a:rPr lang="zh-CN" altLang="en-US" smtClean="0"/>
               <a:t>‹#›</a:t>
             </a:fld>
@@ -515,7 +515,7 @@
     </p:spTree>
     <p:extLst>
       <p:ext uri="{BB962C8B-B14F-4D97-AF65-F5344CB8AC3E}">
-        <p14:creationId xmlns:p14="http://schemas.microsoft.com/office/powerpoint/2010/main" val="4033642968"/>
+        <p14:creationId xmlns:p14="http://schemas.microsoft.com/office/powerpoint/2010/main" val="1761796163"/>
       </p:ext>
     </p:extLst>
   </p:cSld>
@@ -547,7 +547,7 @@
           <p:cNvPr id="2" name="竖排标题 1">
             <a:extLst>
               <a:ext uri="{FF2B5EF4-FFF2-40B4-BE49-F238E27FC236}">
-                <a16:creationId xmlns:a16="http://schemas.microsoft.com/office/drawing/2014/main" id="{FF24758F-B2F3-8FD7-7A92-3112DA9AFF55}"/>
+                <a16:creationId xmlns:a16="http://schemas.microsoft.com/office/drawing/2014/main" id="{E0F47100-2D7F-C28E-38F5-474900BAB9D0}"/>
               </a:ext>
             </a:extLst>
           </p:cNvPr>
@@ -580,7 +580,7 @@
           <p:cNvPr id="3" name="竖排文字占位符 2">
             <a:extLst>
               <a:ext uri="{FF2B5EF4-FFF2-40B4-BE49-F238E27FC236}">
-                <a16:creationId xmlns:a16="http://schemas.microsoft.com/office/drawing/2014/main" id="{F0B23EA2-0DF2-DB29-7788-E3AFA09752E6}"/>
+                <a16:creationId xmlns:a16="http://schemas.microsoft.com/office/drawing/2014/main" id="{600E626F-CA66-2181-54BB-414DECE0D197}"/>
               </a:ext>
             </a:extLst>
           </p:cNvPr>
@@ -642,7 +642,7 @@
           <p:cNvPr id="4" name="日期占位符 3">
             <a:extLst>
               <a:ext uri="{FF2B5EF4-FFF2-40B4-BE49-F238E27FC236}">
-                <a16:creationId xmlns:a16="http://schemas.microsoft.com/office/drawing/2014/main" id="{5326A3A9-AB96-38B3-28AB-21529D14275B}"/>
+                <a16:creationId xmlns:a16="http://schemas.microsoft.com/office/drawing/2014/main" id="{F9CBB124-59A1-D7DC-EA30-E2F9D6E0EC8C}"/>
               </a:ext>
             </a:extLst>
           </p:cNvPr>
@@ -658,7 +658,7 @@
           <a:bodyPr/>
           <a:lstStyle/>
           <a:p>
-            <a:fld id="{90F9F4AD-3540-4EA8-9703-99AD02361B5B}" type="datetimeFigureOut">
+            <a:fld id="{BDE83590-66B0-40F8-BB89-FE17958D805C}" type="datetimeFigureOut">
               <a:rPr lang="zh-CN" altLang="en-US" smtClean="0"/>
               <a:t>2024/3/10</a:t>
             </a:fld>
@@ -671,7 +671,7 @@
           <p:cNvPr id="5" name="页脚占位符 4">
             <a:extLst>
               <a:ext uri="{FF2B5EF4-FFF2-40B4-BE49-F238E27FC236}">
-                <a16:creationId xmlns:a16="http://schemas.microsoft.com/office/drawing/2014/main" id="{1AFF4C51-C23F-3931-D871-E928FC065AA7}"/>
+                <a16:creationId xmlns:a16="http://schemas.microsoft.com/office/drawing/2014/main" id="{232D4AA5-CF8C-A2FB-2AD7-13A6A9A3821E}"/>
               </a:ext>
             </a:extLst>
           </p:cNvPr>
@@ -696,7 +696,7 @@
           <p:cNvPr id="6" name="灯片编号占位符 5">
             <a:extLst>
               <a:ext uri="{FF2B5EF4-FFF2-40B4-BE49-F238E27FC236}">
-                <a16:creationId xmlns:a16="http://schemas.microsoft.com/office/drawing/2014/main" id="{C05812C8-6454-C3E7-4155-50BB7CF15677}"/>
+                <a16:creationId xmlns:a16="http://schemas.microsoft.com/office/drawing/2014/main" id="{5E2F7ECE-1F2F-3D86-D196-E8B2983ECD01}"/>
               </a:ext>
             </a:extLst>
           </p:cNvPr>
@@ -712,7 +712,7 @@
           <a:bodyPr/>
           <a:lstStyle/>
           <a:p>
-            <a:fld id="{E8A0CCDF-E624-4E77-9847-17D60642B6AD}" type="slidenum">
+            <a:fld id="{EDD18019-65B8-4F71-AB11-3099854BD4BB}" type="slidenum">
               <a:rPr lang="zh-CN" altLang="en-US" smtClean="0"/>
               <a:t>‹#›</a:t>
             </a:fld>
@@ -723,7 +723,7 @@
     </p:spTree>
     <p:extLst>
       <p:ext uri="{BB962C8B-B14F-4D97-AF65-F5344CB8AC3E}">
-        <p14:creationId xmlns:p14="http://schemas.microsoft.com/office/powerpoint/2010/main" val="37882409"/>
+        <p14:creationId xmlns:p14="http://schemas.microsoft.com/office/powerpoint/2010/main" val="349932311"/>
       </p:ext>
     </p:extLst>
   </p:cSld>
@@ -755,7 +755,7 @@
           <p:cNvPr id="2" name="标题 1">
             <a:extLst>
               <a:ext uri="{FF2B5EF4-FFF2-40B4-BE49-F238E27FC236}">
-                <a16:creationId xmlns:a16="http://schemas.microsoft.com/office/drawing/2014/main" id="{4297D1B4-F4AD-4013-C183-3684D18A8ACC}"/>
+                <a16:creationId xmlns:a16="http://schemas.microsoft.com/office/drawing/2014/main" id="{8359EB74-9927-D24D-58E5-2D29DA216BFC}"/>
               </a:ext>
             </a:extLst>
           </p:cNvPr>
@@ -783,7 +783,7 @@
           <p:cNvPr id="3" name="内容占位符 2">
             <a:extLst>
               <a:ext uri="{FF2B5EF4-FFF2-40B4-BE49-F238E27FC236}">
-                <a16:creationId xmlns:a16="http://schemas.microsoft.com/office/drawing/2014/main" id="{398E0A6F-721B-DEA9-F052-1F4719C81893}"/>
+                <a16:creationId xmlns:a16="http://schemas.microsoft.com/office/drawing/2014/main" id="{B2B50C40-293D-5FCD-A502-5207533D6B91}"/>
               </a:ext>
             </a:extLst>
           </p:cNvPr>
@@ -840,7 +840,7 @@
           <p:cNvPr id="4" name="日期占位符 3">
             <a:extLst>
               <a:ext uri="{FF2B5EF4-FFF2-40B4-BE49-F238E27FC236}">
-                <a16:creationId xmlns:a16="http://schemas.microsoft.com/office/drawing/2014/main" id="{422CD162-8E31-19EA-D43E-D8D5112553A2}"/>
+                <a16:creationId xmlns:a16="http://schemas.microsoft.com/office/drawing/2014/main" id="{BFBAD28D-F053-7221-3EBA-63EFC6B52722}"/>
               </a:ext>
             </a:extLst>
           </p:cNvPr>
@@ -856,7 +856,7 @@
           <a:bodyPr/>
           <a:lstStyle/>
           <a:p>
-            <a:fld id="{90F9F4AD-3540-4EA8-9703-99AD02361B5B}" type="datetimeFigureOut">
+            <a:fld id="{BDE83590-66B0-40F8-BB89-FE17958D805C}" type="datetimeFigureOut">
               <a:rPr lang="zh-CN" altLang="en-US" smtClean="0"/>
               <a:t>2024/3/10</a:t>
             </a:fld>
@@ -869,7 +869,7 @@
           <p:cNvPr id="5" name="页脚占位符 4">
             <a:extLst>
               <a:ext uri="{FF2B5EF4-FFF2-40B4-BE49-F238E27FC236}">
-                <a16:creationId xmlns:a16="http://schemas.microsoft.com/office/drawing/2014/main" id="{0A7A13A5-655D-6BE6-A266-1933C281DD36}"/>
+                <a16:creationId xmlns:a16="http://schemas.microsoft.com/office/drawing/2014/main" id="{0368C47D-1E7D-4D51-CD73-2960027D5005}"/>
               </a:ext>
             </a:extLst>
           </p:cNvPr>
@@ -894,7 +894,7 @@
           <p:cNvPr id="6" name="灯片编号占位符 5">
             <a:extLst>
               <a:ext uri="{FF2B5EF4-FFF2-40B4-BE49-F238E27FC236}">
-                <a16:creationId xmlns:a16="http://schemas.microsoft.com/office/drawing/2014/main" id="{8589B0DD-C163-D7F7-FCDD-08FD0D0D4A80}"/>
+                <a16:creationId xmlns:a16="http://schemas.microsoft.com/office/drawing/2014/main" id="{31607779-960B-1766-8625-9686F278EFB9}"/>
               </a:ext>
             </a:extLst>
           </p:cNvPr>
@@ -910,7 +910,7 @@
           <a:bodyPr/>
           <a:lstStyle/>
           <a:p>
-            <a:fld id="{E8A0CCDF-E624-4E77-9847-17D60642B6AD}" type="slidenum">
+            <a:fld id="{EDD18019-65B8-4F71-AB11-3099854BD4BB}" type="slidenum">
               <a:rPr lang="zh-CN" altLang="en-US" smtClean="0"/>
               <a:t>‹#›</a:t>
             </a:fld>
@@ -921,7 +921,7 @@
     </p:spTree>
     <p:extLst>
       <p:ext uri="{BB962C8B-B14F-4D97-AF65-F5344CB8AC3E}">
-        <p14:creationId xmlns:p14="http://schemas.microsoft.com/office/powerpoint/2010/main" val="2791713736"/>
+        <p14:creationId xmlns:p14="http://schemas.microsoft.com/office/powerpoint/2010/main" val="312335704"/>
       </p:ext>
     </p:extLst>
   </p:cSld>
@@ -953,7 +953,7 @@
           <p:cNvPr id="2" name="标题 1">
             <a:extLst>
               <a:ext uri="{FF2B5EF4-FFF2-40B4-BE49-F238E27FC236}">
-                <a16:creationId xmlns:a16="http://schemas.microsoft.com/office/drawing/2014/main" id="{58BBCDEA-1BC2-8119-3866-AD6CD3BBE65D}"/>
+                <a16:creationId xmlns:a16="http://schemas.microsoft.com/office/drawing/2014/main" id="{7CEFC3A0-5FE3-44D4-502E-5C225E456860}"/>
               </a:ext>
             </a:extLst>
           </p:cNvPr>
@@ -990,7 +990,7 @@
           <p:cNvPr id="3" name="文本占位符 2">
             <a:extLst>
               <a:ext uri="{FF2B5EF4-FFF2-40B4-BE49-F238E27FC236}">
-                <a16:creationId xmlns:a16="http://schemas.microsoft.com/office/drawing/2014/main" id="{F06FBF93-82D4-A947-0636-3E00BBFF00C0}"/>
+                <a16:creationId xmlns:a16="http://schemas.microsoft.com/office/drawing/2014/main" id="{B44851ED-3275-DED1-C516-A2E8F6D6DF2A}"/>
               </a:ext>
             </a:extLst>
           </p:cNvPr>
@@ -1115,7 +1115,7 @@
           <p:cNvPr id="4" name="日期占位符 3">
             <a:extLst>
               <a:ext uri="{FF2B5EF4-FFF2-40B4-BE49-F238E27FC236}">
-                <a16:creationId xmlns:a16="http://schemas.microsoft.com/office/drawing/2014/main" id="{1F588AC7-D877-0A11-A9D4-FB8E82FCEF9C}"/>
+                <a16:creationId xmlns:a16="http://schemas.microsoft.com/office/drawing/2014/main" id="{80B514BD-3DD4-85E4-BB95-1E28351CF55C}"/>
               </a:ext>
             </a:extLst>
           </p:cNvPr>
@@ -1131,7 +1131,7 @@
           <a:bodyPr/>
           <a:lstStyle/>
           <a:p>
-            <a:fld id="{90F9F4AD-3540-4EA8-9703-99AD02361B5B}" type="datetimeFigureOut">
+            <a:fld id="{BDE83590-66B0-40F8-BB89-FE17958D805C}" type="datetimeFigureOut">
               <a:rPr lang="zh-CN" altLang="en-US" smtClean="0"/>
               <a:t>2024/3/10</a:t>
             </a:fld>
@@ -1144,7 +1144,7 @@
           <p:cNvPr id="5" name="页脚占位符 4">
             <a:extLst>
               <a:ext uri="{FF2B5EF4-FFF2-40B4-BE49-F238E27FC236}">
-                <a16:creationId xmlns:a16="http://schemas.microsoft.com/office/drawing/2014/main" id="{63C5DDE8-BC94-93CB-DA7A-EB636E827036}"/>
+                <a16:creationId xmlns:a16="http://schemas.microsoft.com/office/drawing/2014/main" id="{D99F22F1-7CA3-3BFA-5697-085EB8477EDF}"/>
               </a:ext>
             </a:extLst>
           </p:cNvPr>
@@ -1169,7 +1169,7 @@
           <p:cNvPr id="6" name="灯片编号占位符 5">
             <a:extLst>
               <a:ext uri="{FF2B5EF4-FFF2-40B4-BE49-F238E27FC236}">
-                <a16:creationId xmlns:a16="http://schemas.microsoft.com/office/drawing/2014/main" id="{F1A29823-6455-26F3-6310-AD4401B07A32}"/>
+                <a16:creationId xmlns:a16="http://schemas.microsoft.com/office/drawing/2014/main" id="{7083DB62-05FA-BF13-CDCB-7AFDD22CB689}"/>
               </a:ext>
             </a:extLst>
           </p:cNvPr>
@@ -1185,7 +1185,7 @@
           <a:bodyPr/>
           <a:lstStyle/>
           <a:p>
-            <a:fld id="{E8A0CCDF-E624-4E77-9847-17D60642B6AD}" type="slidenum">
+            <a:fld id="{EDD18019-65B8-4F71-AB11-3099854BD4BB}" type="slidenum">
               <a:rPr lang="zh-CN" altLang="en-US" smtClean="0"/>
               <a:t>‹#›</a:t>
             </a:fld>
@@ -1196,7 +1196,7 @@
     </p:spTree>
     <p:extLst>
       <p:ext uri="{BB962C8B-B14F-4D97-AF65-F5344CB8AC3E}">
-        <p14:creationId xmlns:p14="http://schemas.microsoft.com/office/powerpoint/2010/main" val="1783706605"/>
+        <p14:creationId xmlns:p14="http://schemas.microsoft.com/office/powerpoint/2010/main" val="1238937176"/>
       </p:ext>
     </p:extLst>
   </p:cSld>
@@ -1228,7 +1228,7 @@
           <p:cNvPr id="2" name="标题 1">
             <a:extLst>
               <a:ext uri="{FF2B5EF4-FFF2-40B4-BE49-F238E27FC236}">
-                <a16:creationId xmlns:a16="http://schemas.microsoft.com/office/drawing/2014/main" id="{EEF335D8-71C2-BFA6-5655-3A3AE1C40EE5}"/>
+                <a16:creationId xmlns:a16="http://schemas.microsoft.com/office/drawing/2014/main" id="{E68BC221-3ADF-EC37-ACBE-67070E250287}"/>
               </a:ext>
             </a:extLst>
           </p:cNvPr>
@@ -1256,7 +1256,7 @@
           <p:cNvPr id="3" name="内容占位符 2">
             <a:extLst>
               <a:ext uri="{FF2B5EF4-FFF2-40B4-BE49-F238E27FC236}">
-                <a16:creationId xmlns:a16="http://schemas.microsoft.com/office/drawing/2014/main" id="{A6254408-C3EE-01B9-7DFC-C88C0B8B7257}"/>
+                <a16:creationId xmlns:a16="http://schemas.microsoft.com/office/drawing/2014/main" id="{E9FFF6D4-B6BD-3311-5F05-31C970016B48}"/>
               </a:ext>
             </a:extLst>
           </p:cNvPr>
@@ -1318,7 +1318,7 @@
           <p:cNvPr id="4" name="内容占位符 3">
             <a:extLst>
               <a:ext uri="{FF2B5EF4-FFF2-40B4-BE49-F238E27FC236}">
-                <a16:creationId xmlns:a16="http://schemas.microsoft.com/office/drawing/2014/main" id="{5EA54504-54A8-F437-98F1-2268151F91EB}"/>
+                <a16:creationId xmlns:a16="http://schemas.microsoft.com/office/drawing/2014/main" id="{53A2830A-9EB3-7606-3144-AAA5B34FBAD4}"/>
               </a:ext>
             </a:extLst>
           </p:cNvPr>
@@ -1380,7 +1380,7 @@
           <p:cNvPr id="5" name="日期占位符 4">
             <a:extLst>
               <a:ext uri="{FF2B5EF4-FFF2-40B4-BE49-F238E27FC236}">
-                <a16:creationId xmlns:a16="http://schemas.microsoft.com/office/drawing/2014/main" id="{516E2341-DB66-08A7-0E61-52623D6EECD4}"/>
+                <a16:creationId xmlns:a16="http://schemas.microsoft.com/office/drawing/2014/main" id="{6150FC95-EF7F-A0C9-1CA8-78E6E283F35B}"/>
               </a:ext>
             </a:extLst>
           </p:cNvPr>
@@ -1396,7 +1396,7 @@
           <a:bodyPr/>
           <a:lstStyle/>
           <a:p>
-            <a:fld id="{90F9F4AD-3540-4EA8-9703-99AD02361B5B}" type="datetimeFigureOut">
+            <a:fld id="{BDE83590-66B0-40F8-BB89-FE17958D805C}" type="datetimeFigureOut">
               <a:rPr lang="zh-CN" altLang="en-US" smtClean="0"/>
               <a:t>2024/3/10</a:t>
             </a:fld>
@@ -1409,7 +1409,7 @@
           <p:cNvPr id="6" name="页脚占位符 5">
             <a:extLst>
               <a:ext uri="{FF2B5EF4-FFF2-40B4-BE49-F238E27FC236}">
-                <a16:creationId xmlns:a16="http://schemas.microsoft.com/office/drawing/2014/main" id="{4716D271-04E1-2F31-134D-99A17054949F}"/>
+                <a16:creationId xmlns:a16="http://schemas.microsoft.com/office/drawing/2014/main" id="{9C79A252-5440-4B01-46A1-472611B1ACDB}"/>
               </a:ext>
             </a:extLst>
           </p:cNvPr>
@@ -1434,7 +1434,7 @@
           <p:cNvPr id="7" name="灯片编号占位符 6">
             <a:extLst>
               <a:ext uri="{FF2B5EF4-FFF2-40B4-BE49-F238E27FC236}">
-                <a16:creationId xmlns:a16="http://schemas.microsoft.com/office/drawing/2014/main" id="{C9B026B3-2A70-CFB5-430A-0FCFD3B9EF34}"/>
+                <a16:creationId xmlns:a16="http://schemas.microsoft.com/office/drawing/2014/main" id="{97D9B28E-75E4-3083-5A60-66B91DFB6748}"/>
               </a:ext>
             </a:extLst>
           </p:cNvPr>
@@ -1450,7 +1450,7 @@
           <a:bodyPr/>
           <a:lstStyle/>
           <a:p>
-            <a:fld id="{E8A0CCDF-E624-4E77-9847-17D60642B6AD}" type="slidenum">
+            <a:fld id="{EDD18019-65B8-4F71-AB11-3099854BD4BB}" type="slidenum">
               <a:rPr lang="zh-CN" altLang="en-US" smtClean="0"/>
               <a:t>‹#›</a:t>
             </a:fld>
@@ -1461,7 +1461,7 @@
     </p:spTree>
     <p:extLst>
       <p:ext uri="{BB962C8B-B14F-4D97-AF65-F5344CB8AC3E}">
-        <p14:creationId xmlns:p14="http://schemas.microsoft.com/office/powerpoint/2010/main" val="3195984173"/>
+        <p14:creationId xmlns:p14="http://schemas.microsoft.com/office/powerpoint/2010/main" val="3930006722"/>
       </p:ext>
     </p:extLst>
   </p:cSld>
@@ -1493,7 +1493,7 @@
           <p:cNvPr id="2" name="标题 1">
             <a:extLst>
               <a:ext uri="{FF2B5EF4-FFF2-40B4-BE49-F238E27FC236}">
-                <a16:creationId xmlns:a16="http://schemas.microsoft.com/office/drawing/2014/main" id="{7892D57B-EF6D-7416-DDDA-753787BCA5F2}"/>
+                <a16:creationId xmlns:a16="http://schemas.microsoft.com/office/drawing/2014/main" id="{06500396-A29C-F842-B647-1849A52BC873}"/>
               </a:ext>
             </a:extLst>
           </p:cNvPr>
@@ -1526,7 +1526,7 @@
           <p:cNvPr id="3" name="文本占位符 2">
             <a:extLst>
               <a:ext uri="{FF2B5EF4-FFF2-40B4-BE49-F238E27FC236}">
-                <a16:creationId xmlns:a16="http://schemas.microsoft.com/office/drawing/2014/main" id="{C1978927-6D5F-D985-CB3A-6136C9EC1F08}"/>
+                <a16:creationId xmlns:a16="http://schemas.microsoft.com/office/drawing/2014/main" id="{8766FAB9-438A-5B73-44C4-AB1519510F31}"/>
               </a:ext>
             </a:extLst>
           </p:cNvPr>
@@ -1597,7 +1597,7 @@
           <p:cNvPr id="4" name="内容占位符 3">
             <a:extLst>
               <a:ext uri="{FF2B5EF4-FFF2-40B4-BE49-F238E27FC236}">
-                <a16:creationId xmlns:a16="http://schemas.microsoft.com/office/drawing/2014/main" id="{0A7D4A13-1394-B282-616D-B488CC592753}"/>
+                <a16:creationId xmlns:a16="http://schemas.microsoft.com/office/drawing/2014/main" id="{DA0C76DB-4B68-7122-1B4F-31EF438589D3}"/>
               </a:ext>
             </a:extLst>
           </p:cNvPr>
@@ -1659,7 +1659,7 @@
           <p:cNvPr id="5" name="文本占位符 4">
             <a:extLst>
               <a:ext uri="{FF2B5EF4-FFF2-40B4-BE49-F238E27FC236}">
-                <a16:creationId xmlns:a16="http://schemas.microsoft.com/office/drawing/2014/main" id="{6C1086FC-DD71-86E7-61F6-5EAE4442FCF5}"/>
+                <a16:creationId xmlns:a16="http://schemas.microsoft.com/office/drawing/2014/main" id="{246B10CD-F901-A28B-C0EC-4CB8B47BDDE6}"/>
               </a:ext>
             </a:extLst>
           </p:cNvPr>
@@ -1730,7 +1730,7 @@
           <p:cNvPr id="6" name="内容占位符 5">
             <a:extLst>
               <a:ext uri="{FF2B5EF4-FFF2-40B4-BE49-F238E27FC236}">
-                <a16:creationId xmlns:a16="http://schemas.microsoft.com/office/drawing/2014/main" id="{D65E6B23-6498-932A-2AC4-A8EED438580D}"/>
+                <a16:creationId xmlns:a16="http://schemas.microsoft.com/office/drawing/2014/main" id="{DC28CD57-0177-A126-B1C2-1648CBF91210}"/>
               </a:ext>
             </a:extLst>
           </p:cNvPr>
@@ -1792,7 +1792,7 @@
           <p:cNvPr id="7" name="日期占位符 6">
             <a:extLst>
               <a:ext uri="{FF2B5EF4-FFF2-40B4-BE49-F238E27FC236}">
-                <a16:creationId xmlns:a16="http://schemas.microsoft.com/office/drawing/2014/main" id="{3E7B45A0-32F2-0F01-214D-BDA52BE231B0}"/>
+                <a16:creationId xmlns:a16="http://schemas.microsoft.com/office/drawing/2014/main" id="{B9731014-A760-F6C5-721B-8D7253E6C86D}"/>
               </a:ext>
             </a:extLst>
           </p:cNvPr>
@@ -1808,7 +1808,7 @@
           <a:bodyPr/>
           <a:lstStyle/>
           <a:p>
-            <a:fld id="{90F9F4AD-3540-4EA8-9703-99AD02361B5B}" type="datetimeFigureOut">
+            <a:fld id="{BDE83590-66B0-40F8-BB89-FE17958D805C}" type="datetimeFigureOut">
               <a:rPr lang="zh-CN" altLang="en-US" smtClean="0"/>
               <a:t>2024/3/10</a:t>
             </a:fld>
@@ -1821,7 +1821,7 @@
           <p:cNvPr id="8" name="页脚占位符 7">
             <a:extLst>
               <a:ext uri="{FF2B5EF4-FFF2-40B4-BE49-F238E27FC236}">
-                <a16:creationId xmlns:a16="http://schemas.microsoft.com/office/drawing/2014/main" id="{4341E640-BE21-1B57-EFF3-EF96D9FDD1B6}"/>
+                <a16:creationId xmlns:a16="http://schemas.microsoft.com/office/drawing/2014/main" id="{28DC35D7-34C0-652C-9E26-0E205A55E639}"/>
               </a:ext>
             </a:extLst>
           </p:cNvPr>
@@ -1846,7 +1846,7 @@
           <p:cNvPr id="9" name="灯片编号占位符 8">
             <a:extLst>
               <a:ext uri="{FF2B5EF4-FFF2-40B4-BE49-F238E27FC236}">
-                <a16:creationId xmlns:a16="http://schemas.microsoft.com/office/drawing/2014/main" id="{AF61C65C-988C-7F07-DC07-A631984DBAAC}"/>
+                <a16:creationId xmlns:a16="http://schemas.microsoft.com/office/drawing/2014/main" id="{FC467580-9A80-2458-A5BD-0EF185165818}"/>
               </a:ext>
             </a:extLst>
           </p:cNvPr>
@@ -1862,7 +1862,7 @@
           <a:bodyPr/>
           <a:lstStyle/>
           <a:p>
-            <a:fld id="{E8A0CCDF-E624-4E77-9847-17D60642B6AD}" type="slidenum">
+            <a:fld id="{EDD18019-65B8-4F71-AB11-3099854BD4BB}" type="slidenum">
               <a:rPr lang="zh-CN" altLang="en-US" smtClean="0"/>
               <a:t>‹#›</a:t>
             </a:fld>
@@ -1873,7 +1873,7 @@
     </p:spTree>
     <p:extLst>
       <p:ext uri="{BB962C8B-B14F-4D97-AF65-F5344CB8AC3E}">
-        <p14:creationId xmlns:p14="http://schemas.microsoft.com/office/powerpoint/2010/main" val="611265379"/>
+        <p14:creationId xmlns:p14="http://schemas.microsoft.com/office/powerpoint/2010/main" val="3550373828"/>
       </p:ext>
     </p:extLst>
   </p:cSld>
@@ -1905,7 +1905,7 @@
           <p:cNvPr id="2" name="标题 1">
             <a:extLst>
               <a:ext uri="{FF2B5EF4-FFF2-40B4-BE49-F238E27FC236}">
-                <a16:creationId xmlns:a16="http://schemas.microsoft.com/office/drawing/2014/main" id="{75355C0E-9571-A99F-3584-E61B708C787A}"/>
+                <a16:creationId xmlns:a16="http://schemas.microsoft.com/office/drawing/2014/main" id="{4E48E726-4E48-3A8B-F9DD-021894A2DDD8}"/>
               </a:ext>
             </a:extLst>
           </p:cNvPr>
@@ -1933,7 +1933,7 @@
           <p:cNvPr id="3" name="日期占位符 2">
             <a:extLst>
               <a:ext uri="{FF2B5EF4-FFF2-40B4-BE49-F238E27FC236}">
-                <a16:creationId xmlns:a16="http://schemas.microsoft.com/office/drawing/2014/main" id="{72DC19AD-DFC0-07F9-F052-2A4A6492F983}"/>
+                <a16:creationId xmlns:a16="http://schemas.microsoft.com/office/drawing/2014/main" id="{A21C64E4-384D-68AF-2D6C-68B7A3EAC3AF}"/>
               </a:ext>
             </a:extLst>
           </p:cNvPr>
@@ -1949,7 +1949,7 @@
           <a:bodyPr/>
           <a:lstStyle/>
           <a:p>
-            <a:fld id="{90F9F4AD-3540-4EA8-9703-99AD02361B5B}" type="datetimeFigureOut">
+            <a:fld id="{BDE83590-66B0-40F8-BB89-FE17958D805C}" type="datetimeFigureOut">
               <a:rPr lang="zh-CN" altLang="en-US" smtClean="0"/>
               <a:t>2024/3/10</a:t>
             </a:fld>
@@ -1962,7 +1962,7 @@
           <p:cNvPr id="4" name="页脚占位符 3">
             <a:extLst>
               <a:ext uri="{FF2B5EF4-FFF2-40B4-BE49-F238E27FC236}">
-                <a16:creationId xmlns:a16="http://schemas.microsoft.com/office/drawing/2014/main" id="{1AD8D8F2-4781-212D-47CB-326F4BE22ACA}"/>
+                <a16:creationId xmlns:a16="http://schemas.microsoft.com/office/drawing/2014/main" id="{077A413D-C679-57F5-3212-1D2872F87DC3}"/>
               </a:ext>
             </a:extLst>
           </p:cNvPr>
@@ -1987,7 +1987,7 @@
           <p:cNvPr id="5" name="灯片编号占位符 4">
             <a:extLst>
               <a:ext uri="{FF2B5EF4-FFF2-40B4-BE49-F238E27FC236}">
-                <a16:creationId xmlns:a16="http://schemas.microsoft.com/office/drawing/2014/main" id="{D44A4C55-AE79-4FC6-8ACC-2BBDC445296A}"/>
+                <a16:creationId xmlns:a16="http://schemas.microsoft.com/office/drawing/2014/main" id="{1DDFEABF-2C7E-BE63-54A3-C4C5D70E7FD3}"/>
               </a:ext>
             </a:extLst>
           </p:cNvPr>
@@ -2003,7 +2003,7 @@
           <a:bodyPr/>
           <a:lstStyle/>
           <a:p>
-            <a:fld id="{E8A0CCDF-E624-4E77-9847-17D60642B6AD}" type="slidenum">
+            <a:fld id="{EDD18019-65B8-4F71-AB11-3099854BD4BB}" type="slidenum">
               <a:rPr lang="zh-CN" altLang="en-US" smtClean="0"/>
               <a:t>‹#›</a:t>
             </a:fld>
@@ -2014,7 +2014,7 @@
     </p:spTree>
     <p:extLst>
       <p:ext uri="{BB962C8B-B14F-4D97-AF65-F5344CB8AC3E}">
-        <p14:creationId xmlns:p14="http://schemas.microsoft.com/office/powerpoint/2010/main" val="3259119218"/>
+        <p14:creationId xmlns:p14="http://schemas.microsoft.com/office/powerpoint/2010/main" val="1418636130"/>
       </p:ext>
     </p:extLst>
   </p:cSld>
@@ -2046,7 +2046,7 @@
           <p:cNvPr id="2" name="日期占位符 1">
             <a:extLst>
               <a:ext uri="{FF2B5EF4-FFF2-40B4-BE49-F238E27FC236}">
-                <a16:creationId xmlns:a16="http://schemas.microsoft.com/office/drawing/2014/main" id="{3AF7C1D8-0D04-855B-3F6A-93019FF97A7D}"/>
+                <a16:creationId xmlns:a16="http://schemas.microsoft.com/office/drawing/2014/main" id="{E896F6BB-F106-2AF9-1E78-575B6C9E9EBE}"/>
               </a:ext>
             </a:extLst>
           </p:cNvPr>
@@ -2062,7 +2062,7 @@
           <a:bodyPr/>
           <a:lstStyle/>
           <a:p>
-            <a:fld id="{90F9F4AD-3540-4EA8-9703-99AD02361B5B}" type="datetimeFigureOut">
+            <a:fld id="{BDE83590-66B0-40F8-BB89-FE17958D805C}" type="datetimeFigureOut">
               <a:rPr lang="zh-CN" altLang="en-US" smtClean="0"/>
               <a:t>2024/3/10</a:t>
             </a:fld>
@@ -2075,7 +2075,7 @@
           <p:cNvPr id="3" name="页脚占位符 2">
             <a:extLst>
               <a:ext uri="{FF2B5EF4-FFF2-40B4-BE49-F238E27FC236}">
-                <a16:creationId xmlns:a16="http://schemas.microsoft.com/office/drawing/2014/main" id="{50F40DF8-5998-2EB3-BEFC-34AF3F22C86D}"/>
+                <a16:creationId xmlns:a16="http://schemas.microsoft.com/office/drawing/2014/main" id="{D8D3AF18-D947-A813-6DFE-5F7BD0B6F40F}"/>
               </a:ext>
             </a:extLst>
           </p:cNvPr>
@@ -2100,7 +2100,7 @@
           <p:cNvPr id="4" name="灯片编号占位符 3">
             <a:extLst>
               <a:ext uri="{FF2B5EF4-FFF2-40B4-BE49-F238E27FC236}">
-                <a16:creationId xmlns:a16="http://schemas.microsoft.com/office/drawing/2014/main" id="{5E032904-16B0-48F5-E9F6-A3300F0F2D77}"/>
+                <a16:creationId xmlns:a16="http://schemas.microsoft.com/office/drawing/2014/main" id="{C608C168-F1C3-4E1A-D203-53E828F49425}"/>
               </a:ext>
             </a:extLst>
           </p:cNvPr>
@@ -2116,7 +2116,7 @@
           <a:bodyPr/>
           <a:lstStyle/>
           <a:p>
-            <a:fld id="{E8A0CCDF-E624-4E77-9847-17D60642B6AD}" type="slidenum">
+            <a:fld id="{EDD18019-65B8-4F71-AB11-3099854BD4BB}" type="slidenum">
               <a:rPr lang="zh-CN" altLang="en-US" smtClean="0"/>
               <a:t>‹#›</a:t>
             </a:fld>
@@ -2127,7 +2127,7 @@
     </p:spTree>
     <p:extLst>
       <p:ext uri="{BB962C8B-B14F-4D97-AF65-F5344CB8AC3E}">
-        <p14:creationId xmlns:p14="http://schemas.microsoft.com/office/powerpoint/2010/main" val="3006714331"/>
+        <p14:creationId xmlns:p14="http://schemas.microsoft.com/office/powerpoint/2010/main" val="1027713078"/>
       </p:ext>
     </p:extLst>
   </p:cSld>
@@ -2159,7 +2159,7 @@
           <p:cNvPr id="2" name="标题 1">
             <a:extLst>
               <a:ext uri="{FF2B5EF4-FFF2-40B4-BE49-F238E27FC236}">
-                <a16:creationId xmlns:a16="http://schemas.microsoft.com/office/drawing/2014/main" id="{74DDAC9A-8623-041B-F07D-66B4FD002BAA}"/>
+                <a16:creationId xmlns:a16="http://schemas.microsoft.com/office/drawing/2014/main" id="{8508A7B5-8F43-1C5B-5192-CBDF4FD7FD67}"/>
               </a:ext>
             </a:extLst>
           </p:cNvPr>
@@ -2196,7 +2196,7 @@
           <p:cNvPr id="3" name="内容占位符 2">
             <a:extLst>
               <a:ext uri="{FF2B5EF4-FFF2-40B4-BE49-F238E27FC236}">
-                <a16:creationId xmlns:a16="http://schemas.microsoft.com/office/drawing/2014/main" id="{F1A96090-9810-E32A-4232-47B009CFE21A}"/>
+                <a16:creationId xmlns:a16="http://schemas.microsoft.com/office/drawing/2014/main" id="{69468707-0735-3778-5E41-60466AD227F9}"/>
               </a:ext>
             </a:extLst>
           </p:cNvPr>
@@ -2286,7 +2286,7 @@
           <p:cNvPr id="4" name="文本占位符 3">
             <a:extLst>
               <a:ext uri="{FF2B5EF4-FFF2-40B4-BE49-F238E27FC236}">
-                <a16:creationId xmlns:a16="http://schemas.microsoft.com/office/drawing/2014/main" id="{1AB80C24-40AC-DC91-5FB2-E44E1185F904}"/>
+                <a16:creationId xmlns:a16="http://schemas.microsoft.com/office/drawing/2014/main" id="{8F06D475-B041-8A42-5446-EE7C7CDE66BD}"/>
               </a:ext>
             </a:extLst>
           </p:cNvPr>
@@ -2357,7 +2357,7 @@
           <p:cNvPr id="5" name="日期占位符 4">
             <a:extLst>
               <a:ext uri="{FF2B5EF4-FFF2-40B4-BE49-F238E27FC236}">
-                <a16:creationId xmlns:a16="http://schemas.microsoft.com/office/drawing/2014/main" id="{17DF065B-30C7-AD6D-3E96-198AFF8A85F3}"/>
+                <a16:creationId xmlns:a16="http://schemas.microsoft.com/office/drawing/2014/main" id="{1AFE490B-DF2A-80F7-3211-DBC4E6D0A11D}"/>
               </a:ext>
             </a:extLst>
           </p:cNvPr>
@@ -2373,7 +2373,7 @@
           <a:bodyPr/>
           <a:lstStyle/>
           <a:p>
-            <a:fld id="{90F9F4AD-3540-4EA8-9703-99AD02361B5B}" type="datetimeFigureOut">
+            <a:fld id="{BDE83590-66B0-40F8-BB89-FE17958D805C}" type="datetimeFigureOut">
               <a:rPr lang="zh-CN" altLang="en-US" smtClean="0"/>
               <a:t>2024/3/10</a:t>
             </a:fld>
@@ -2386,7 +2386,7 @@
           <p:cNvPr id="6" name="页脚占位符 5">
             <a:extLst>
               <a:ext uri="{FF2B5EF4-FFF2-40B4-BE49-F238E27FC236}">
-                <a16:creationId xmlns:a16="http://schemas.microsoft.com/office/drawing/2014/main" id="{54A90C9B-A6DE-C4BF-2258-1080931BEC3E}"/>
+                <a16:creationId xmlns:a16="http://schemas.microsoft.com/office/drawing/2014/main" id="{187AF904-B3C5-13EC-8DB6-280A8C50A651}"/>
               </a:ext>
             </a:extLst>
           </p:cNvPr>
@@ -2411,7 +2411,7 @@
           <p:cNvPr id="7" name="灯片编号占位符 6">
             <a:extLst>
               <a:ext uri="{FF2B5EF4-FFF2-40B4-BE49-F238E27FC236}">
-                <a16:creationId xmlns:a16="http://schemas.microsoft.com/office/drawing/2014/main" id="{1F3BFAA9-0C5E-F84A-E3FD-747D347F4A40}"/>
+                <a16:creationId xmlns:a16="http://schemas.microsoft.com/office/drawing/2014/main" id="{F4A3C233-3D40-A626-AD8B-3A7BFB3BB788}"/>
               </a:ext>
             </a:extLst>
           </p:cNvPr>
@@ -2427,7 +2427,7 @@
           <a:bodyPr/>
           <a:lstStyle/>
           <a:p>
-            <a:fld id="{E8A0CCDF-E624-4E77-9847-17D60642B6AD}" type="slidenum">
+            <a:fld id="{EDD18019-65B8-4F71-AB11-3099854BD4BB}" type="slidenum">
               <a:rPr lang="zh-CN" altLang="en-US" smtClean="0"/>
               <a:t>‹#›</a:t>
             </a:fld>
@@ -2438,7 +2438,7 @@
     </p:spTree>
     <p:extLst>
       <p:ext uri="{BB962C8B-B14F-4D97-AF65-F5344CB8AC3E}">
-        <p14:creationId xmlns:p14="http://schemas.microsoft.com/office/powerpoint/2010/main" val="2663852834"/>
+        <p14:creationId xmlns:p14="http://schemas.microsoft.com/office/powerpoint/2010/main" val="886097597"/>
       </p:ext>
     </p:extLst>
   </p:cSld>
@@ -2470,7 +2470,7 @@
           <p:cNvPr id="2" name="标题 1">
             <a:extLst>
               <a:ext uri="{FF2B5EF4-FFF2-40B4-BE49-F238E27FC236}">
-                <a16:creationId xmlns:a16="http://schemas.microsoft.com/office/drawing/2014/main" id="{49A86BE9-7FE9-8924-56D0-BA1639330089}"/>
+                <a16:creationId xmlns:a16="http://schemas.microsoft.com/office/drawing/2014/main" id="{182DE570-B466-534D-0112-9C270736BC38}"/>
               </a:ext>
             </a:extLst>
           </p:cNvPr>
@@ -2507,7 +2507,7 @@
           <p:cNvPr id="3" name="图片占位符 2">
             <a:extLst>
               <a:ext uri="{FF2B5EF4-FFF2-40B4-BE49-F238E27FC236}">
-                <a16:creationId xmlns:a16="http://schemas.microsoft.com/office/drawing/2014/main" id="{ADB0942C-4120-071A-CB59-431F62031555}"/>
+                <a16:creationId xmlns:a16="http://schemas.microsoft.com/office/drawing/2014/main" id="{83C9638A-AD80-F023-CF1B-DCDE4E6787C2}"/>
               </a:ext>
             </a:extLst>
           </p:cNvPr>
@@ -2574,7 +2574,7 @@
           <p:cNvPr id="4" name="文本占位符 3">
             <a:extLst>
               <a:ext uri="{FF2B5EF4-FFF2-40B4-BE49-F238E27FC236}">
-                <a16:creationId xmlns:a16="http://schemas.microsoft.com/office/drawing/2014/main" id="{7757553C-5B60-8441-BBAA-63C3D67B138C}"/>
+                <a16:creationId xmlns:a16="http://schemas.microsoft.com/office/drawing/2014/main" id="{FF73EE0D-A355-26F9-B593-D9D9DBCFCF1A}"/>
               </a:ext>
             </a:extLst>
           </p:cNvPr>
@@ -2645,7 +2645,7 @@
           <p:cNvPr id="5" name="日期占位符 4">
             <a:extLst>
               <a:ext uri="{FF2B5EF4-FFF2-40B4-BE49-F238E27FC236}">
-                <a16:creationId xmlns:a16="http://schemas.microsoft.com/office/drawing/2014/main" id="{64B65E02-B00A-259A-D07F-B5D32A9AAF6A}"/>
+                <a16:creationId xmlns:a16="http://schemas.microsoft.com/office/drawing/2014/main" id="{F6D5E5F4-092F-A170-148F-50D65CC75E9B}"/>
               </a:ext>
             </a:extLst>
           </p:cNvPr>
@@ -2661,7 +2661,7 @@
           <a:bodyPr/>
           <a:lstStyle/>
           <a:p>
-            <a:fld id="{90F9F4AD-3540-4EA8-9703-99AD02361B5B}" type="datetimeFigureOut">
+            <a:fld id="{BDE83590-66B0-40F8-BB89-FE17958D805C}" type="datetimeFigureOut">
               <a:rPr lang="zh-CN" altLang="en-US" smtClean="0"/>
               <a:t>2024/3/10</a:t>
             </a:fld>
@@ -2674,7 +2674,7 @@
           <p:cNvPr id="6" name="页脚占位符 5">
             <a:extLst>
               <a:ext uri="{FF2B5EF4-FFF2-40B4-BE49-F238E27FC236}">
-                <a16:creationId xmlns:a16="http://schemas.microsoft.com/office/drawing/2014/main" id="{6DFDC2DE-1EC8-B2B0-0F0F-97BACE2DB5C5}"/>
+                <a16:creationId xmlns:a16="http://schemas.microsoft.com/office/drawing/2014/main" id="{0B78EDC8-9494-B296-E4D6-A5471EC06CE1}"/>
               </a:ext>
             </a:extLst>
           </p:cNvPr>
@@ -2699,7 +2699,7 @@
           <p:cNvPr id="7" name="灯片编号占位符 6">
             <a:extLst>
               <a:ext uri="{FF2B5EF4-FFF2-40B4-BE49-F238E27FC236}">
-                <a16:creationId xmlns:a16="http://schemas.microsoft.com/office/drawing/2014/main" id="{CC3772C7-AC4C-4C48-9988-961B855BEE74}"/>
+                <a16:creationId xmlns:a16="http://schemas.microsoft.com/office/drawing/2014/main" id="{E15E7AFF-3C39-3A00-66C1-41ABB541E17B}"/>
               </a:ext>
             </a:extLst>
           </p:cNvPr>
@@ -2715,7 +2715,7 @@
           <a:bodyPr/>
           <a:lstStyle/>
           <a:p>
-            <a:fld id="{E8A0CCDF-E624-4E77-9847-17D60642B6AD}" type="slidenum">
+            <a:fld id="{EDD18019-65B8-4F71-AB11-3099854BD4BB}" type="slidenum">
               <a:rPr lang="zh-CN" altLang="en-US" smtClean="0"/>
               <a:t>‹#›</a:t>
             </a:fld>
@@ -2726,7 +2726,7 @@
     </p:spTree>
     <p:extLst>
       <p:ext uri="{BB962C8B-B14F-4D97-AF65-F5344CB8AC3E}">
-        <p14:creationId xmlns:p14="http://schemas.microsoft.com/office/powerpoint/2010/main" val="3893172913"/>
+        <p14:creationId xmlns:p14="http://schemas.microsoft.com/office/powerpoint/2010/main" val="3081868018"/>
       </p:ext>
     </p:extLst>
   </p:cSld>
@@ -2763,7 +2763,7 @@
           <p:cNvPr id="2" name="标题占位符 1">
             <a:extLst>
               <a:ext uri="{FF2B5EF4-FFF2-40B4-BE49-F238E27FC236}">
-                <a16:creationId xmlns:a16="http://schemas.microsoft.com/office/drawing/2014/main" id="{90B8ED70-600F-B7E1-87C4-CC6F0C664106}"/>
+                <a16:creationId xmlns:a16="http://schemas.microsoft.com/office/drawing/2014/main" id="{CB2B55EC-6376-358C-94AB-C7F712BEB6EC}"/>
               </a:ext>
             </a:extLst>
           </p:cNvPr>
@@ -2801,7 +2801,7 @@
           <p:cNvPr id="3" name="文本占位符 2">
             <a:extLst>
               <a:ext uri="{FF2B5EF4-FFF2-40B4-BE49-F238E27FC236}">
-                <a16:creationId xmlns:a16="http://schemas.microsoft.com/office/drawing/2014/main" id="{37BA738E-4570-2515-D39C-FC159A18FA82}"/>
+                <a16:creationId xmlns:a16="http://schemas.microsoft.com/office/drawing/2014/main" id="{ECAC0F59-5122-1801-44C3-C6CB18E2A3EC}"/>
               </a:ext>
             </a:extLst>
           </p:cNvPr>
@@ -2868,7 +2868,7 @@
           <p:cNvPr id="4" name="日期占位符 3">
             <a:extLst>
               <a:ext uri="{FF2B5EF4-FFF2-40B4-BE49-F238E27FC236}">
-                <a16:creationId xmlns:a16="http://schemas.microsoft.com/office/drawing/2014/main" id="{B4D7FADF-E31F-572C-2D91-86A2CF6CCCF1}"/>
+                <a16:creationId xmlns:a16="http://schemas.microsoft.com/office/drawing/2014/main" id="{8F6E7DD9-5795-22AB-D6A9-5D55A43B648D}"/>
               </a:ext>
             </a:extLst>
           </p:cNvPr>
@@ -2902,7 +2902,7 @@
             </a:lvl1pPr>
           </a:lstStyle>
           <a:p>
-            <a:fld id="{90F9F4AD-3540-4EA8-9703-99AD02361B5B}" type="datetimeFigureOut">
+            <a:fld id="{BDE83590-66B0-40F8-BB89-FE17958D805C}" type="datetimeFigureOut">
               <a:rPr lang="zh-CN" altLang="en-US" smtClean="0"/>
               <a:t>2024/3/10</a:t>
             </a:fld>
@@ -2915,7 +2915,7 @@
           <p:cNvPr id="5" name="页脚占位符 4">
             <a:extLst>
               <a:ext uri="{FF2B5EF4-FFF2-40B4-BE49-F238E27FC236}">
-                <a16:creationId xmlns:a16="http://schemas.microsoft.com/office/drawing/2014/main" id="{71273480-5EBA-90E4-E7A6-CB39D0EA6477}"/>
+                <a16:creationId xmlns:a16="http://schemas.microsoft.com/office/drawing/2014/main" id="{DAAE9BC5-A2EB-0259-DB69-C42C2AC5C0E2}"/>
               </a:ext>
             </a:extLst>
           </p:cNvPr>
@@ -2958,7 +2958,7 @@
           <p:cNvPr id="6" name="灯片编号占位符 5">
             <a:extLst>
               <a:ext uri="{FF2B5EF4-FFF2-40B4-BE49-F238E27FC236}">
-                <a16:creationId xmlns:a16="http://schemas.microsoft.com/office/drawing/2014/main" id="{9373B397-40D9-C2B7-1243-8B65834AC07C}"/>
+                <a16:creationId xmlns:a16="http://schemas.microsoft.com/office/drawing/2014/main" id="{EF68054E-E1F2-14C1-7E81-76BBDE5EF31E}"/>
               </a:ext>
             </a:extLst>
           </p:cNvPr>
@@ -2992,7 +2992,7 @@
             </a:lvl1pPr>
           </a:lstStyle>
           <a:p>
-            <a:fld id="{E8A0CCDF-E624-4E77-9847-17D60642B6AD}" type="slidenum">
+            <a:fld id="{EDD18019-65B8-4F71-AB11-3099854BD4BB}" type="slidenum">
               <a:rPr lang="zh-CN" altLang="en-US" smtClean="0"/>
               <a:t>‹#›</a:t>
             </a:fld>
@@ -3003,7 +3003,7 @@
     </p:spTree>
     <p:extLst>
       <p:ext uri="{BB962C8B-B14F-4D97-AF65-F5344CB8AC3E}">
-        <p14:creationId xmlns:p14="http://schemas.microsoft.com/office/powerpoint/2010/main" val="4271273876"/>
+        <p14:creationId xmlns:p14="http://schemas.microsoft.com/office/powerpoint/2010/main" val="438713236"/>
       </p:ext>
     </p:extLst>
   </p:cSld>
